--- a/Presentation.pptx
+++ b/Presentation.pptx
@@ -5,20 +5,21 @@
     <p:sldMasterId id="2147483648" r:id="rId1"/>
   </p:sldMasterIdLst>
   <p:notesMasterIdLst>
-    <p:notesMasterId r:id="rId13"/>
+    <p:notesMasterId r:id="rId14"/>
   </p:notesMasterIdLst>
   <p:sldIdLst>
     <p:sldId id="256" r:id="rId2"/>
-    <p:sldId id="257" r:id="rId3"/>
-    <p:sldId id="258" r:id="rId4"/>
-    <p:sldId id="266" r:id="rId5"/>
-    <p:sldId id="267" r:id="rId6"/>
-    <p:sldId id="268" r:id="rId7"/>
-    <p:sldId id="269" r:id="rId8"/>
-    <p:sldId id="270" r:id="rId9"/>
-    <p:sldId id="271" r:id="rId10"/>
-    <p:sldId id="264" r:id="rId11"/>
-    <p:sldId id="265" r:id="rId12"/>
+    <p:sldId id="272" r:id="rId3"/>
+    <p:sldId id="257" r:id="rId4"/>
+    <p:sldId id="258" r:id="rId5"/>
+    <p:sldId id="266" r:id="rId6"/>
+    <p:sldId id="267" r:id="rId7"/>
+    <p:sldId id="268" r:id="rId8"/>
+    <p:sldId id="269" r:id="rId9"/>
+    <p:sldId id="270" r:id="rId10"/>
+    <p:sldId id="271" r:id="rId11"/>
+    <p:sldId id="264" r:id="rId12"/>
+    <p:sldId id="265" r:id="rId13"/>
   </p:sldIdLst>
   <p:sldSz cx="12192000" cy="6858000"/>
   <p:notesSz cx="6858000" cy="9144000"/>
@@ -5833,7 +5834,7 @@
           </a:ln>
           <a:extLst>
             <a:ext uri="{C572A759-6A51-4108-AA02-DFA0A04FC94B}">
-              <ma14:wrappingTextBoxFlag xmlns="" xmlns:ma14="http://schemas.microsoft.com/office/mac/drawingml/2011/main" val="1"/>
+              <ma14:wrappingTextBoxFlag xmlns:ma14="http://schemas.microsoft.com/office/mac/drawingml/2011/main" xmlns="" val="1"/>
             </a:ext>
           </a:extLst>
         </p:spPr>
@@ -5889,7 +5890,7 @@
           </a:ln>
           <a:extLst>
             <a:ext uri="{C572A759-6A51-4108-AA02-DFA0A04FC94B}">
-              <ma14:wrappingTextBoxFlag xmlns="" xmlns:ma14="http://schemas.microsoft.com/office/mac/drawingml/2011/main" val="1"/>
+              <ma14:wrappingTextBoxFlag xmlns:ma14="http://schemas.microsoft.com/office/mac/drawingml/2011/main" xmlns="" val="1"/>
             </a:ext>
           </a:extLst>
         </p:spPr>
@@ -6614,12 +6615,44 @@
               </a:defRPr>
             </a:pPr>
             <a:r>
-              <a:rPr sz="2800" b="1" cap="all" spc="400">
+              <a:rPr sz="2800" b="1" cap="all" spc="400" dirty="0">
                 <a:solidFill>
                   <a:srgbClr val="0070C0"/>
                 </a:solidFill>
               </a:rPr>
-              <a:t>Amani Konduru, Xumin Cai, </a:t>
+              <a:t>Amani Konduru, </a:t>
+            </a:r>
+            <a:r>
+              <a:rPr sz="2800" b="1" cap="all" spc="400" dirty="0" err="1">
+                <a:solidFill>
+                  <a:srgbClr val="0070C0"/>
+                </a:solidFill>
+              </a:rPr>
+              <a:t>Xumin</a:t>
+            </a:r>
+            <a:r>
+              <a:rPr sz="2800" b="1" cap="all" spc="400" dirty="0">
+                <a:solidFill>
+                  <a:srgbClr val="0070C0"/>
+                </a:solidFill>
+              </a:rPr>
+              <a:t> </a:t>
+            </a:r>
+            <a:r>
+              <a:rPr sz="2800" b="1" cap="all" spc="400" dirty="0" err="1">
+                <a:solidFill>
+                  <a:srgbClr val="0070C0"/>
+                </a:solidFill>
+              </a:rPr>
+              <a:t>Cai</a:t>
+            </a:r>
+            <a:r>
+              <a:rPr sz="2800" b="1" cap="all" spc="400" dirty="0">
+                <a:solidFill>
+                  <a:srgbClr val="0070C0"/>
+                </a:solidFill>
+              </a:rPr>
+              <a:t>, </a:t>
             </a:r>
           </a:p>
           <a:p>
@@ -6631,12 +6664,36 @@
               </a:defRPr>
             </a:pPr>
             <a:r>
-              <a:rPr sz="2800" b="1" cap="all" spc="400">
+              <a:rPr sz="2800" b="1" cap="all" spc="400" dirty="0" err="1">
                 <a:solidFill>
                   <a:srgbClr val="0070C0"/>
                 </a:solidFill>
               </a:rPr>
-              <a:t>Bogun Kim, Hyun Cho, Jeongsu Park </a:t>
+              <a:t>Bogun</a:t>
+            </a:r>
+            <a:r>
+              <a:rPr sz="2800" b="1" cap="all" spc="400" dirty="0">
+                <a:solidFill>
+                  <a:srgbClr val="0070C0"/>
+                </a:solidFill>
+              </a:rPr>
+              <a:t> Kim, Hyun Cho, </a:t>
+            </a:r>
+            <a:r>
+              <a:rPr sz="2800" b="1" cap="all" spc="400" dirty="0" err="1">
+                <a:solidFill>
+                  <a:srgbClr val="0070C0"/>
+                </a:solidFill>
+              </a:rPr>
+              <a:t>Jeongsu</a:t>
+            </a:r>
+            <a:r>
+              <a:rPr sz="2800" b="1" cap="all" spc="400" dirty="0">
+                <a:solidFill>
+                  <a:srgbClr val="0070C0"/>
+                </a:solidFill>
+              </a:rPr>
+              <a:t> Park </a:t>
             </a:r>
           </a:p>
         </p:txBody>
@@ -6658,6 +6715,75 @@
 </file>
 
 <file path=ppt/slides/slide10.xml><?xml version="1.0" encoding="utf-8"?>
+<p:sld xmlns:a="http://schemas.openxmlformats.org/drawingml/2006/main" xmlns:r="http://schemas.openxmlformats.org/officeDocument/2006/relationships" xmlns:p="http://schemas.openxmlformats.org/presentationml/2006/main">
+  <p:cSld>
+    <p:spTree>
+      <p:nvGrpSpPr>
+        <p:cNvPr id="1" name=""/>
+        <p:cNvGrpSpPr/>
+        <p:nvPr/>
+      </p:nvGrpSpPr>
+      <p:grpSpPr>
+        <a:xfrm>
+          <a:off x="0" y="0"/>
+          <a:ext cx="0" cy="0"/>
+          <a:chOff x="0" y="0"/>
+          <a:chExt cx="0" cy="0"/>
+        </a:xfrm>
+      </p:grpSpPr>
+      <p:sp>
+        <p:nvSpPr>
+          <p:cNvPr id="2" name="Title 1"/>
+          <p:cNvSpPr>
+            <a:spLocks noGrp="1"/>
+          </p:cNvSpPr>
+          <p:nvPr>
+            <p:ph type="title"/>
+          </p:nvPr>
+        </p:nvSpPr>
+        <p:spPr>
+          <a:xfrm>
+            <a:off x="1324828" y="2659239"/>
+            <a:ext cx="10178325" cy="1903618"/>
+          </a:xfrm>
+        </p:spPr>
+        <p:txBody>
+          <a:bodyPr>
+            <a:normAutofit/>
+          </a:bodyPr>
+          <a:lstStyle/>
+          <a:p>
+            <a:pPr algn="ctr"/>
+            <a:r>
+              <a:rPr lang="en-US" sz="8000" dirty="0" smtClean="0"/>
+              <a:t>Demonstration</a:t>
+            </a:r>
+            <a:endParaRPr lang="en-US" sz="8000" dirty="0"/>
+          </a:p>
+        </p:txBody>
+      </p:sp>
+    </p:spTree>
+    <p:extLst>
+      <p:ext uri="{BB962C8B-B14F-4D97-AF65-F5344CB8AC3E}">
+        <p14:creationId xmlns:p14="http://schemas.microsoft.com/office/powerpoint/2010/main" val="1126702509"/>
+      </p:ext>
+    </p:extLst>
+  </p:cSld>
+  <p:clrMapOvr>
+    <a:masterClrMapping/>
+  </p:clrMapOvr>
+  <p:transition spd="med"/>
+  <p:timing>
+    <p:tnLst>
+      <p:par>
+        <p:cTn id="1" dur="indefinite" restart="never" nodeType="tmRoot"/>
+      </p:par>
+    </p:tnLst>
+  </p:timing>
+</p:sld>
+</file>
+
+<file path=ppt/slides/slide11.xml><?xml version="1.0" encoding="utf-8"?>
 <p:sld xmlns:a="http://schemas.openxmlformats.org/drawingml/2006/main" xmlns:r="http://schemas.openxmlformats.org/officeDocument/2006/relationships" xmlns:p="http://schemas.openxmlformats.org/presentationml/2006/main">
   <p:cSld>
     <p:spTree>
@@ -6735,7 +6861,7 @@
 </p:sld>
 </file>
 
-<file path=ppt/slides/slide11.xml><?xml version="1.0" encoding="utf-8"?>
+<file path=ppt/slides/slide12.xml><?xml version="1.0" encoding="utf-8"?>
 <p:sld xmlns:a="http://schemas.openxmlformats.org/drawingml/2006/main" xmlns:r="http://schemas.openxmlformats.org/officeDocument/2006/relationships" xmlns:p="http://schemas.openxmlformats.org/presentationml/2006/main">
   <p:cSld>
     <p:spTree>
@@ -6866,6 +6992,329 @@
       </p:grpSpPr>
       <p:sp>
         <p:nvSpPr>
+          <p:cNvPr id="2" name="Title 1"/>
+          <p:cNvSpPr>
+            <a:spLocks noGrp="1"/>
+          </p:cNvSpPr>
+          <p:nvPr>
+            <p:ph type="title"/>
+          </p:nvPr>
+        </p:nvSpPr>
+        <p:spPr>
+          <a:xfrm>
+            <a:off x="1188065" y="700435"/>
+            <a:ext cx="10178325" cy="1112462"/>
+          </a:xfrm>
+        </p:spPr>
+        <p:txBody>
+          <a:bodyPr/>
+          <a:lstStyle/>
+          <a:p>
+            <a:r>
+              <a:rPr lang="en-US" dirty="0" smtClean="0"/>
+              <a:t>Roles</a:t>
+            </a:r>
+            <a:endParaRPr lang="en-US" dirty="0"/>
+          </a:p>
+        </p:txBody>
+      </p:sp>
+      <p:sp>
+        <p:nvSpPr>
+          <p:cNvPr id="3" name="Text Placeholder 2"/>
+          <p:cNvSpPr>
+            <a:spLocks noGrp="1"/>
+          </p:cNvSpPr>
+          <p:nvPr>
+            <p:ph type="body" idx="1"/>
+          </p:nvPr>
+        </p:nvSpPr>
+        <p:spPr>
+          <a:xfrm>
+            <a:off x="1243724" y="2325756"/>
+            <a:ext cx="10178325" cy="3542306"/>
+          </a:xfrm>
+        </p:spPr>
+        <p:txBody>
+          <a:bodyPr>
+            <a:noAutofit/>
+          </a:bodyPr>
+          <a:lstStyle/>
+          <a:p>
+            <a:pPr lvl="0">
+              <a:defRPr sz="1800" b="0" cap="none" spc="0">
+                <a:solidFill>
+                  <a:srgbClr val="000000"/>
+                </a:solidFill>
+              </a:defRPr>
+            </a:pPr>
+            <a:r>
+              <a:rPr lang="en-US" sz="3000" b="1" cap="all" spc="400" dirty="0">
+                <a:solidFill>
+                  <a:srgbClr val="0070C0"/>
+                </a:solidFill>
+              </a:rPr>
+              <a:t>Amani </a:t>
+            </a:r>
+            <a:r>
+              <a:rPr lang="en-US" sz="3000" b="1" cap="all" spc="400" dirty="0" smtClean="0">
+                <a:solidFill>
+                  <a:srgbClr val="0070C0"/>
+                </a:solidFill>
+              </a:rPr>
+              <a:t>Konduru – Project Manager</a:t>
+            </a:r>
+          </a:p>
+          <a:p>
+            <a:pPr lvl="0">
+              <a:defRPr sz="1800" b="0" cap="none" spc="0">
+                <a:solidFill>
+                  <a:srgbClr val="000000"/>
+                </a:solidFill>
+              </a:defRPr>
+            </a:pPr>
+            <a:r>
+              <a:rPr lang="en-US" sz="3000" b="1" cap="all" spc="400" dirty="0" err="1" smtClean="0">
+                <a:solidFill>
+                  <a:srgbClr val="0070C0"/>
+                </a:solidFill>
+              </a:rPr>
+              <a:t>Xumin</a:t>
+            </a:r>
+            <a:r>
+              <a:rPr lang="en-US" sz="3000" b="1" cap="all" spc="400" dirty="0" smtClean="0">
+                <a:solidFill>
+                  <a:srgbClr val="0070C0"/>
+                </a:solidFill>
+              </a:rPr>
+              <a:t> </a:t>
+            </a:r>
+            <a:r>
+              <a:rPr lang="en-US" sz="3000" b="1" cap="all" spc="400" dirty="0" err="1" smtClean="0">
+                <a:solidFill>
+                  <a:srgbClr val="0070C0"/>
+                </a:solidFill>
+              </a:rPr>
+              <a:t>Cai</a:t>
+            </a:r>
+            <a:r>
+              <a:rPr lang="en-US" sz="3000" b="1" cap="all" spc="400" dirty="0" smtClean="0">
+                <a:solidFill>
+                  <a:srgbClr val="0070C0"/>
+                </a:solidFill>
+              </a:rPr>
+              <a:t> </a:t>
+            </a:r>
+            <a:r>
+              <a:rPr lang="en-US" sz="3000" b="1" cap="all" spc="400" dirty="0">
+                <a:solidFill>
+                  <a:srgbClr val="0070C0"/>
+                </a:solidFill>
+              </a:rPr>
+              <a:t>–</a:t>
+            </a:r>
+            <a:r>
+              <a:rPr lang="en-US" sz="3000" b="1" cap="all" spc="400" dirty="0" smtClean="0">
+                <a:solidFill>
+                  <a:srgbClr val="0070C0"/>
+                </a:solidFill>
+              </a:rPr>
+              <a:t> Java developer</a:t>
+            </a:r>
+            <a:endParaRPr lang="en-US" sz="3000" b="1" cap="all" spc="400" dirty="0">
+              <a:solidFill>
+                <a:srgbClr val="0070C0"/>
+              </a:solidFill>
+            </a:endParaRPr>
+          </a:p>
+          <a:p>
+            <a:pPr lvl="0">
+              <a:defRPr sz="1800" b="0" cap="none" spc="0">
+                <a:solidFill>
+                  <a:srgbClr val="000000"/>
+                </a:solidFill>
+              </a:defRPr>
+            </a:pPr>
+            <a:r>
+              <a:rPr lang="en-US" sz="3000" b="1" cap="all" spc="400" dirty="0" err="1">
+                <a:solidFill>
+                  <a:srgbClr val="0070C0"/>
+                </a:solidFill>
+              </a:rPr>
+              <a:t>Bogun</a:t>
+            </a:r>
+            <a:r>
+              <a:rPr lang="en-US" sz="3000" b="1" cap="all" spc="400" dirty="0">
+                <a:solidFill>
+                  <a:srgbClr val="0070C0"/>
+                </a:solidFill>
+              </a:rPr>
+              <a:t> </a:t>
+            </a:r>
+            <a:r>
+              <a:rPr lang="en-US" sz="3000" b="1" cap="all" spc="400" dirty="0" smtClean="0">
+                <a:solidFill>
+                  <a:srgbClr val="0070C0"/>
+                </a:solidFill>
+              </a:rPr>
+              <a:t>Kim</a:t>
+            </a:r>
+            <a:r>
+              <a:rPr lang="en-US" sz="3000" b="1" cap="all" spc="400" dirty="0">
+                <a:solidFill>
+                  <a:srgbClr val="0070C0"/>
+                </a:solidFill>
+              </a:rPr>
+              <a:t> –</a:t>
+            </a:r>
+            <a:r>
+              <a:rPr lang="en-US" sz="3000" b="1" cap="all" spc="400" dirty="0" smtClean="0">
+                <a:solidFill>
+                  <a:srgbClr val="0070C0"/>
+                </a:solidFill>
+              </a:rPr>
+              <a:t> Tester</a:t>
+            </a:r>
+          </a:p>
+          <a:p>
+            <a:pPr lvl="0">
+              <a:defRPr sz="1800" b="0" cap="none" spc="0">
+                <a:solidFill>
+                  <a:srgbClr val="000000"/>
+                </a:solidFill>
+              </a:defRPr>
+            </a:pPr>
+            <a:r>
+              <a:rPr lang="en-US" sz="3000" b="1" cap="all" spc="400" dirty="0" smtClean="0">
+                <a:solidFill>
+                  <a:srgbClr val="0070C0"/>
+                </a:solidFill>
+              </a:rPr>
+              <a:t>Hyun </a:t>
+            </a:r>
+            <a:r>
+              <a:rPr lang="en-US" sz="3000" b="1" cap="all" spc="400" dirty="0" err="1" smtClean="0">
+                <a:solidFill>
+                  <a:srgbClr val="0070C0"/>
+                </a:solidFill>
+              </a:rPr>
+              <a:t>ChO</a:t>
+            </a:r>
+            <a:r>
+              <a:rPr lang="en-US" sz="3000" b="1" cap="all" spc="400" dirty="0" smtClean="0">
+                <a:solidFill>
+                  <a:srgbClr val="0070C0"/>
+                </a:solidFill>
+              </a:rPr>
+              <a:t>(Brad)</a:t>
+            </a:r>
+            <a:r>
+              <a:rPr lang="en-US" sz="3000" b="1" cap="all" spc="400" dirty="0">
+                <a:solidFill>
+                  <a:srgbClr val="0070C0"/>
+                </a:solidFill>
+              </a:rPr>
+              <a:t> –</a:t>
+            </a:r>
+            <a:r>
+              <a:rPr lang="en-US" sz="3000" b="1" cap="all" spc="400" dirty="0" smtClean="0">
+                <a:solidFill>
+                  <a:srgbClr val="0070C0"/>
+                </a:solidFill>
+              </a:rPr>
+              <a:t> Database </a:t>
+            </a:r>
+          </a:p>
+          <a:p>
+            <a:pPr lvl="0">
+              <a:defRPr sz="1800" b="0" cap="none" spc="0">
+                <a:solidFill>
+                  <a:srgbClr val="000000"/>
+                </a:solidFill>
+              </a:defRPr>
+            </a:pPr>
+            <a:r>
+              <a:rPr lang="en-US" sz="3000" b="1" cap="all" spc="400" dirty="0" err="1" smtClean="0">
+                <a:solidFill>
+                  <a:srgbClr val="0070C0"/>
+                </a:solidFill>
+              </a:rPr>
+              <a:t>Jeongsu</a:t>
+            </a:r>
+            <a:r>
+              <a:rPr lang="en-US" sz="3000" b="1" cap="all" spc="400" dirty="0" smtClean="0">
+                <a:solidFill>
+                  <a:srgbClr val="0070C0"/>
+                </a:solidFill>
+              </a:rPr>
+              <a:t> </a:t>
+            </a:r>
+            <a:r>
+              <a:rPr lang="en-US" sz="3000" b="1" cap="all" spc="400" dirty="0">
+                <a:solidFill>
+                  <a:srgbClr val="0070C0"/>
+                </a:solidFill>
+              </a:rPr>
+              <a:t>Park </a:t>
+            </a:r>
+            <a:r>
+              <a:rPr lang="en-US" sz="3000" b="1" cap="all" spc="400" dirty="0" smtClean="0">
+                <a:solidFill>
+                  <a:srgbClr val="0070C0"/>
+                </a:solidFill>
+              </a:rPr>
+              <a:t>– Database</a:t>
+            </a:r>
+            <a:endParaRPr lang="en-US" sz="3000" b="1" cap="all" spc="400" dirty="0">
+              <a:solidFill>
+                <a:srgbClr val="0070C0"/>
+              </a:solidFill>
+            </a:endParaRPr>
+          </a:p>
+          <a:p>
+            <a:endParaRPr lang="en-US" sz="3200" dirty="0"/>
+          </a:p>
+        </p:txBody>
+      </p:sp>
+    </p:spTree>
+    <p:extLst>
+      <p:ext uri="{BB962C8B-B14F-4D97-AF65-F5344CB8AC3E}">
+        <p14:creationId xmlns:p14="http://schemas.microsoft.com/office/powerpoint/2010/main" val="1719222175"/>
+      </p:ext>
+    </p:extLst>
+  </p:cSld>
+  <p:clrMapOvr>
+    <a:masterClrMapping/>
+  </p:clrMapOvr>
+  <p:transition spd="med"/>
+  <p:timing>
+    <p:tnLst>
+      <p:par>
+        <p:cTn id="1" dur="indefinite" restart="never" nodeType="tmRoot"/>
+      </p:par>
+    </p:tnLst>
+  </p:timing>
+</p:sld>
+</file>
+
+<file path=ppt/slides/slide3.xml><?xml version="1.0" encoding="utf-8"?>
+<p:sld xmlns:a="http://schemas.openxmlformats.org/drawingml/2006/main" xmlns:r="http://schemas.openxmlformats.org/officeDocument/2006/relationships" xmlns:p="http://schemas.openxmlformats.org/presentationml/2006/main">
+  <p:cSld>
+    <p:spTree>
+      <p:nvGrpSpPr>
+        <p:cNvPr id="1" name=""/>
+        <p:cNvGrpSpPr/>
+        <p:nvPr/>
+      </p:nvGrpSpPr>
+      <p:grpSpPr>
+        <a:xfrm>
+          <a:off x="0" y="0"/>
+          <a:ext cx="0" cy="0"/>
+          <a:chOff x="0" y="0"/>
+          <a:chExt cx="0" cy="0"/>
+        </a:xfrm>
+      </p:grpSpPr>
+      <p:sp>
+        <p:nvSpPr>
           <p:cNvPr id="63" name="Shape 63"/>
           <p:cNvSpPr>
             <a:spLocks noGrp="1"/>
@@ -6917,7 +7366,7 @@
         </p:nvSpPr>
         <p:spPr>
           <a:xfrm>
-            <a:off x="1150076" y="1777999"/>
+            <a:off x="1251676" y="2072197"/>
             <a:ext cx="10178326" cy="3593595"/>
           </a:xfrm>
           <a:prstGeom prst="rect">
@@ -7079,48 +7528,16 @@
               </a:defRPr>
             </a:pPr>
             <a:r>
-              <a:rPr sz="2128" b="1" dirty="0"/>
-              <a:t>User</a:t>
+              <a:rPr sz="2128" b="1" dirty="0" smtClean="0"/>
+              <a:t>Pet</a:t>
+            </a:r>
+            <a:r>
+              <a:rPr sz="2128" dirty="0" smtClean="0"/>
+              <a:t> </a:t>
             </a:r>
             <a:r>
               <a:rPr sz="2128" dirty="0"/>
-              <a:t> who lost pet/pets could </a:t>
-            </a:r>
-            <a:r>
-              <a:rPr sz="2128" i="1" dirty="0"/>
-              <a:t>pay Reward</a:t>
-            </a:r>
-            <a:r>
-              <a:rPr sz="2128" dirty="0"/>
-              <a:t> to single or multiple </a:t>
-            </a:r>
-            <a:r>
-              <a:rPr sz="2128" b="1" dirty="0"/>
-              <a:t>Users</a:t>
-            </a:r>
-            <a:r>
-              <a:rPr sz="2128" dirty="0"/>
-              <a:t> who found their pets. </a:t>
-            </a:r>
-          </a:p>
-          <a:p>
-            <a:pPr marL="243230" lvl="0" indent="-243230" defTabSz="694944">
-              <a:spcBef>
-                <a:spcPts val="500"/>
-              </a:spcBef>
-              <a:defRPr sz="1800">
-                <a:solidFill>
-                  <a:srgbClr val="000000"/>
-                </a:solidFill>
-              </a:defRPr>
-            </a:pPr>
-            <a:r>
-              <a:rPr sz="2128" b="1" dirty="0"/>
-              <a:t>Pet</a:t>
-            </a:r>
-            <a:r>
-              <a:rPr sz="2128" dirty="0"/>
-              <a:t> could </a:t>
+              <a:t>could </a:t>
             </a:r>
             <a:r>
               <a:rPr sz="2128" i="1" dirty="0"/>
@@ -7157,7 +7574,7 @@
 </p:sld>
 </file>
 
-<file path=ppt/slides/slide3.xml><?xml version="1.0" encoding="utf-8"?>
+<file path=ppt/slides/slide4.xml><?xml version="1.0" encoding="utf-8"?>
 <p:sld xmlns:a="http://schemas.openxmlformats.org/drawingml/2006/main" xmlns:r="http://schemas.openxmlformats.org/officeDocument/2006/relationships" xmlns:p="http://schemas.openxmlformats.org/presentationml/2006/main">
   <p:cSld>
     <p:spTree>
@@ -7272,7 +7689,7 @@
 </p:sld>
 </file>
 
-<file path=ppt/slides/slide4.xml><?xml version="1.0" encoding="utf-8"?>
+<file path=ppt/slides/slide5.xml><?xml version="1.0" encoding="utf-8"?>
 <p:sld xmlns:a="http://schemas.openxmlformats.org/drawingml/2006/main" xmlns:r="http://schemas.openxmlformats.org/officeDocument/2006/relationships" xmlns:p="http://schemas.openxmlformats.org/presentationml/2006/main">
   <p:cSld>
     <p:spTree>
@@ -7360,111 +7777,6 @@
     <p:extLst>
       <p:ext uri="{BB962C8B-B14F-4D97-AF65-F5344CB8AC3E}">
         <p14:creationId xmlns:p14="http://schemas.microsoft.com/office/powerpoint/2010/main" val="3716447902"/>
-      </p:ext>
-    </p:extLst>
-  </p:cSld>
-  <p:clrMapOvr>
-    <a:masterClrMapping/>
-  </p:clrMapOvr>
-  <p:transition spd="med"/>
-  <p:timing>
-    <p:tnLst>
-      <p:par>
-        <p:cTn id="1" dur="indefinite" restart="never" nodeType="tmRoot"/>
-      </p:par>
-    </p:tnLst>
-  </p:timing>
-</p:sld>
-</file>
-
-<file path=ppt/slides/slide5.xml><?xml version="1.0" encoding="utf-8"?>
-<p:sld xmlns:a="http://schemas.openxmlformats.org/drawingml/2006/main" xmlns:r="http://schemas.openxmlformats.org/officeDocument/2006/relationships" xmlns:p="http://schemas.openxmlformats.org/presentationml/2006/main">
-  <p:cSld>
-    <p:spTree>
-      <p:nvGrpSpPr>
-        <p:cNvPr id="1" name=""/>
-        <p:cNvGrpSpPr/>
-        <p:nvPr/>
-      </p:nvGrpSpPr>
-      <p:grpSpPr>
-        <a:xfrm>
-          <a:off x="0" y="0"/>
-          <a:ext cx="0" cy="0"/>
-          <a:chOff x="0" y="0"/>
-          <a:chExt cx="0" cy="0"/>
-        </a:xfrm>
-      </p:grpSpPr>
-      <p:sp>
-        <p:nvSpPr>
-          <p:cNvPr id="2" name="Title 1"/>
-          <p:cNvSpPr>
-            <a:spLocks noGrp="1"/>
-          </p:cNvSpPr>
-          <p:nvPr>
-            <p:ph type="title"/>
-          </p:nvPr>
-        </p:nvSpPr>
-        <p:spPr>
-          <a:xfrm>
-            <a:off x="1251677" y="382383"/>
-            <a:ext cx="10158446" cy="1366904"/>
-          </a:xfrm>
-        </p:spPr>
-        <p:txBody>
-          <a:bodyPr/>
-          <a:lstStyle/>
-          <a:p>
-            <a:r>
-              <a:rPr lang="en-US" dirty="0" smtClean="0"/>
-              <a:t>Lost/Found Table</a:t>
-            </a:r>
-            <a:endParaRPr lang="en-US" dirty="0"/>
-          </a:p>
-        </p:txBody>
-      </p:sp>
-      <p:pic>
-        <p:nvPicPr>
-          <p:cNvPr id="5" name="Picture 6" descr="Screen Shot 2017-04-18 at 10.47.39 PM.png"/>
-          <p:cNvPicPr>
-            <a:picLocks noChangeAspect="1" noChangeArrowheads="1"/>
-          </p:cNvPicPr>
-          <p:nvPr/>
-        </p:nvPicPr>
-        <p:blipFill rotWithShape="1">
-          <a:blip r:embed="rId2">
-            <a:extLst>
-              <a:ext uri="{28A0092B-C50C-407E-A947-70E740481C1C}">
-                <a14:useLocalDpi xmlns:a14="http://schemas.microsoft.com/office/drawing/2010/main" val="0"/>
-              </a:ext>
-            </a:extLst>
-          </a:blip>
-          <a:srcRect l="43087" t="247" r="10111" b="69655"/>
-          <a:stretch/>
-        </p:blipFill>
-        <p:spPr bwMode="auto">
-          <a:xfrm>
-            <a:off x="1802163" y="1602982"/>
-            <a:ext cx="8621840" cy="4304041"/>
-          </a:xfrm>
-          <a:prstGeom prst="rect">
-            <a:avLst/>
-          </a:prstGeom>
-          <a:noFill/>
-          <a:extLst>
-            <a:ext uri="{909E8E84-426E-40DD-AFC4-6F175D3DCCD1}">
-              <a14:hiddenFill xmlns:a14="http://schemas.microsoft.com/office/drawing/2010/main">
-                <a:solidFill>
-                  <a:srgbClr val="FFFFFF"/>
-                </a:solidFill>
-              </a14:hiddenFill>
-            </a:ext>
-          </a:extLst>
-        </p:spPr>
-      </p:pic>
-    </p:spTree>
-    <p:extLst>
-      <p:ext uri="{BB962C8B-B14F-4D97-AF65-F5344CB8AC3E}">
-        <p14:creationId xmlns:p14="http://schemas.microsoft.com/office/powerpoint/2010/main" val="1149836813"/>
       </p:ext>
     </p:extLst>
   </p:cSld>
@@ -7511,8 +7823,8 @@
         </p:nvSpPr>
         <p:spPr>
           <a:xfrm>
-            <a:off x="1251676" y="382383"/>
-            <a:ext cx="10178325" cy="1089801"/>
+            <a:off x="1251677" y="382383"/>
+            <a:ext cx="10158446" cy="1366904"/>
           </a:xfrm>
         </p:spPr>
         <p:txBody>
@@ -7521,7 +7833,7 @@
           <a:p>
             <a:r>
               <a:rPr lang="en-US" dirty="0" smtClean="0"/>
-              <a:t>PUT_information table</a:t>
+              <a:t>Lost/Found Table</a:t>
             </a:r>
             <a:endParaRPr lang="en-US" dirty="0"/>
           </a:p>
@@ -7529,7 +7841,7 @@
       </p:sp>
       <p:pic>
         <p:nvPicPr>
-          <p:cNvPr id="4" name="Picture 6" descr="Screen Shot 2017-04-18 at 10.47.39 PM.png"/>
+          <p:cNvPr id="5" name="Picture 6" descr="Screen Shot 2017-04-18 at 10.47.39 PM.png"/>
           <p:cNvPicPr>
             <a:picLocks noChangeAspect="1" noChangeArrowheads="1"/>
           </p:cNvPicPr>
@@ -7543,13 +7855,13 @@
               </a:ext>
             </a:extLst>
           </a:blip>
-          <a:srcRect l="-152" t="30086" r="58375" b="36307"/>
+          <a:srcRect l="43087" t="247" r="10111" b="69655"/>
           <a:stretch/>
         </p:blipFill>
         <p:spPr bwMode="auto">
           <a:xfrm>
-            <a:off x="2123396" y="1618488"/>
-            <a:ext cx="7706404" cy="4812269"/>
+            <a:off x="1802163" y="1602982"/>
+            <a:ext cx="8621840" cy="4304041"/>
           </a:xfrm>
           <a:prstGeom prst="rect">
             <a:avLst/>
@@ -7569,7 +7881,7 @@
     </p:spTree>
     <p:extLst>
       <p:ext uri="{BB962C8B-B14F-4D97-AF65-F5344CB8AC3E}">
-        <p14:creationId xmlns:p14="http://schemas.microsoft.com/office/powerpoint/2010/main" val="673578903"/>
+        <p14:creationId xmlns:p14="http://schemas.microsoft.com/office/powerpoint/2010/main" val="1149836813"/>
       </p:ext>
     </p:extLst>
   </p:cSld>
@@ -7617,7 +7929,7 @@
         <p:spPr>
           <a:xfrm>
             <a:off x="1251676" y="382383"/>
-            <a:ext cx="10178325" cy="1345833"/>
+            <a:ext cx="10178325" cy="1089801"/>
           </a:xfrm>
         </p:spPr>
         <p:txBody>
@@ -7626,7 +7938,7 @@
           <a:p>
             <a:r>
               <a:rPr lang="en-US" dirty="0" smtClean="0"/>
-              <a:t>Pet Table</a:t>
+              <a:t>PUT_information table</a:t>
             </a:r>
             <a:endParaRPr lang="en-US" dirty="0"/>
           </a:p>
@@ -7648,13 +7960,13 @@
               </a:ext>
             </a:extLst>
           </a:blip>
-          <a:srcRect l="43059" t="29800" r="141" b="38582"/>
+          <a:srcRect l="-152" t="30086" r="58375" b="36307"/>
           <a:stretch/>
         </p:blipFill>
         <p:spPr bwMode="auto">
           <a:xfrm>
-            <a:off x="1622533" y="1728216"/>
-            <a:ext cx="9226549" cy="3986784"/>
+            <a:off x="2123396" y="1618488"/>
+            <a:ext cx="7706404" cy="4812269"/>
           </a:xfrm>
           <a:prstGeom prst="rect">
             <a:avLst/>
@@ -7674,7 +7986,7 @@
     </p:spTree>
     <p:extLst>
       <p:ext uri="{BB962C8B-B14F-4D97-AF65-F5344CB8AC3E}">
-        <p14:creationId xmlns:p14="http://schemas.microsoft.com/office/powerpoint/2010/main" val="4151832892"/>
+        <p14:creationId xmlns:p14="http://schemas.microsoft.com/office/powerpoint/2010/main" val="673578903"/>
       </p:ext>
     </p:extLst>
   </p:cSld>
@@ -7722,7 +8034,7 @@
         <p:spPr>
           <a:xfrm>
             <a:off x="1251676" y="382383"/>
-            <a:ext cx="10178325" cy="1272681"/>
+            <a:ext cx="10178325" cy="1345833"/>
           </a:xfrm>
         </p:spPr>
         <p:txBody>
@@ -7731,7 +8043,7 @@
           <a:p>
             <a:r>
               <a:rPr lang="en-US" dirty="0" smtClean="0"/>
-              <a:t>Shelter table</a:t>
+              <a:t>Pet Table</a:t>
             </a:r>
             <a:endParaRPr lang="en-US" dirty="0"/>
           </a:p>
@@ -7753,13 +8065,13 @@
               </a:ext>
             </a:extLst>
           </a:blip>
-          <a:srcRect l="42287" t="62764" r="9516" b="4482"/>
+          <a:srcRect l="43059" t="29800" r="141" b="38582"/>
           <a:stretch/>
         </p:blipFill>
         <p:spPr bwMode="auto">
           <a:xfrm>
-            <a:off x="2207750" y="1554481"/>
-            <a:ext cx="8266176" cy="4360664"/>
+            <a:off x="1622533" y="1728216"/>
+            <a:ext cx="9226549" cy="3986784"/>
           </a:xfrm>
           <a:prstGeom prst="rect">
             <a:avLst/>
@@ -7779,7 +8091,7 @@
     </p:spTree>
     <p:extLst>
       <p:ext uri="{BB962C8B-B14F-4D97-AF65-F5344CB8AC3E}">
-        <p14:creationId xmlns:p14="http://schemas.microsoft.com/office/powerpoint/2010/main" val="308904985"/>
+        <p14:creationId xmlns:p14="http://schemas.microsoft.com/office/powerpoint/2010/main" val="4151832892"/>
       </p:ext>
     </p:extLst>
   </p:cSld>
@@ -7826,29 +8138,65 @@
         </p:nvSpPr>
         <p:spPr>
           <a:xfrm>
-            <a:off x="1324828" y="2659239"/>
-            <a:ext cx="10178325" cy="1903618"/>
+            <a:off x="1251676" y="382383"/>
+            <a:ext cx="10178325" cy="1272681"/>
           </a:xfrm>
         </p:spPr>
         <p:txBody>
-          <a:bodyPr>
-            <a:normAutofit/>
-          </a:bodyPr>
+          <a:bodyPr/>
           <a:lstStyle/>
           <a:p>
-            <a:pPr algn="ctr"/>
-            <a:r>
-              <a:rPr lang="en-US" sz="8000" dirty="0" smtClean="0"/>
-              <a:t>Demonstration</a:t>
-            </a:r>
-            <a:endParaRPr lang="en-US" sz="8000" dirty="0"/>
+            <a:r>
+              <a:rPr lang="en-US" dirty="0" smtClean="0"/>
+              <a:t>Shelter table</a:t>
+            </a:r>
+            <a:endParaRPr lang="en-US" dirty="0"/>
           </a:p>
         </p:txBody>
       </p:sp>
+      <p:pic>
+        <p:nvPicPr>
+          <p:cNvPr id="4" name="Picture 6" descr="Screen Shot 2017-04-18 at 10.47.39 PM.png"/>
+          <p:cNvPicPr>
+            <a:picLocks noChangeAspect="1" noChangeArrowheads="1"/>
+          </p:cNvPicPr>
+          <p:nvPr/>
+        </p:nvPicPr>
+        <p:blipFill rotWithShape="1">
+          <a:blip r:embed="rId2">
+            <a:extLst>
+              <a:ext uri="{28A0092B-C50C-407E-A947-70E740481C1C}">
+                <a14:useLocalDpi xmlns:a14="http://schemas.microsoft.com/office/drawing/2010/main" val="0"/>
+              </a:ext>
+            </a:extLst>
+          </a:blip>
+          <a:srcRect l="42287" t="62764" r="9516" b="4482"/>
+          <a:stretch/>
+        </p:blipFill>
+        <p:spPr bwMode="auto">
+          <a:xfrm>
+            <a:off x="2207750" y="1554481"/>
+            <a:ext cx="8266176" cy="4360664"/>
+          </a:xfrm>
+          <a:prstGeom prst="rect">
+            <a:avLst/>
+          </a:prstGeom>
+          <a:noFill/>
+          <a:extLst>
+            <a:ext uri="{909E8E84-426E-40DD-AFC4-6F175D3DCCD1}">
+              <a14:hiddenFill xmlns:a14="http://schemas.microsoft.com/office/drawing/2010/main">
+                <a:solidFill>
+                  <a:srgbClr val="FFFFFF"/>
+                </a:solidFill>
+              </a14:hiddenFill>
+            </a:ext>
+          </a:extLst>
+        </p:spPr>
+      </p:pic>
     </p:spTree>
     <p:extLst>
       <p:ext uri="{BB962C8B-B14F-4D97-AF65-F5344CB8AC3E}">
-        <p14:creationId xmlns:p14="http://schemas.microsoft.com/office/powerpoint/2010/main" val="1126702509"/>
+        <p14:creationId xmlns:p14="http://schemas.microsoft.com/office/powerpoint/2010/main" val="308904985"/>
       </p:ext>
     </p:extLst>
   </p:cSld>
